--- a/TANGRAM/TAMGRAM.pptx
+++ b/TANGRAM/TAMGRAM.pptx
@@ -281,7 +281,7 @@
               <a:rPr lang="en-US" smtClean="0">
                 <a:latin typeface="Arial" charset="0"/>
               </a:rPr>
-              <a:t>11/12/2019</a:t>
+              <a:t>11/13/2019</a:t>
             </a:fld>
             <a:endParaRPr lang="en-US" dirty="0">
               <a:latin typeface="Arial" charset="0"/>
@@ -459,7 +459,7 @@
             <a:fld id="{5B96CA4F-2197-CC40-B4FC-798A937A9DC6}" type="datetimeFigureOut">
               <a:rPr lang="en-US" smtClean="0"/>
               <a:pPr/>
-              <a:t>11/12/2019</a:t>
+              <a:t>11/13/2019</a:t>
             </a:fld>
             <a:endParaRPr lang="en-US" dirty="0"/>
           </a:p>
@@ -2433,7 +2433,15 @@
           <a:p>
             <a:r>
               <a:rPr lang="en-US" altLang="zh-CN" sz="4800" dirty="0"/>
-              <a:t>TANGRAM	</a:t>
+              <a:t>TANGRAM</a:t>
+            </a:r>
+            <a:r>
+              <a:rPr lang="zh-CN" altLang="en-US" sz="4800" dirty="0"/>
+              <a:t>实现与优化</a:t>
+            </a:r>
+            <a:r>
+              <a:rPr lang="en-US" altLang="zh-CN" sz="4800" dirty="0"/>
+              <a:t>	</a:t>
             </a:r>
             <a:endParaRPr lang="en-US" sz="4800" dirty="0"/>
           </a:p>
@@ -2618,7 +2626,27 @@
           <a:bodyPr/>
           <a:lstStyle/>
           <a:p>
-            <a:endParaRPr lang="zh-CN" altLang="en-US"/>
+            <a:r>
+              <a:rPr lang="zh-CN" altLang="en-US" dirty="0"/>
+              <a:t>所有的密码状态和秘钥，都尽量指针（地址）传递，尽量少用临时变量传递密码状态和秘钥</a:t>
+            </a:r>
+            <a:endParaRPr lang="en-US" altLang="zh-CN" dirty="0"/>
+          </a:p>
+          <a:p>
+            <a:endParaRPr lang="en-US" altLang="zh-CN" dirty="0"/>
+          </a:p>
+          <a:p>
+            <a:r>
+              <a:rPr lang="zh-CN" altLang="en-US" dirty="0"/>
+              <a:t>（分工合作，后续优化部分由熊佳明同学担任）</a:t>
+            </a:r>
+            <a:endParaRPr lang="en-US" altLang="zh-CN" dirty="0"/>
+          </a:p>
+          <a:p>
+            <a:endParaRPr lang="en-US" altLang="zh-CN" dirty="0"/>
+          </a:p>
+          <a:p>
+            <a:endParaRPr lang="zh-CN" altLang="en-US" dirty="0"/>
           </a:p>
         </p:txBody>
       </p:sp>
@@ -2847,6 +2875,14 @@
               <a:rPr lang="zh-CN" altLang="en-US" dirty="0"/>
               <a:t>。</a:t>
             </a:r>
+            <a:endParaRPr lang="en-US" altLang="zh-CN" dirty="0"/>
+          </a:p>
+          <a:p>
+            <a:pPr>
+              <a:lnSpc>
+                <a:spcPct val="150000"/>
+              </a:lnSpc>
+            </a:pPr>
             <a:r>
               <a:rPr lang="en-US" altLang="zh-CN" dirty="0"/>
               <a:t>TANGRAM</a:t>
@@ -3180,7 +3216,7 @@
             </a:r>
             <a:r>
               <a:rPr lang="en-US" altLang="zh-CN" dirty="0" err="1"/>
-              <a:t>subbytes</a:t>
+              <a:t>subbytes,mixcolumn</a:t>
             </a:r>
             <a:r>
               <a:rPr lang="zh-CN" altLang="en-US" dirty="0"/>
@@ -3347,11 +3383,23 @@
             </a:r>
             <a:r>
               <a:rPr lang="en-US" altLang="zh-CN" dirty="0"/>
+              <a:t>AES</a:t>
+            </a:r>
+            <a:r>
+              <a:rPr lang="zh-CN" altLang="en-US" dirty="0"/>
+              <a:t>中</a:t>
+            </a:r>
+            <a:r>
+              <a:rPr lang="en-US" altLang="zh-CN" dirty="0"/>
               <a:t>S</a:t>
             </a:r>
             <a:r>
-              <a:rPr lang="zh-CN" altLang="en-US" dirty="0"/>
-              <a:t>盒的操作是针对状态矩阵中同一列</a:t>
+              <a:rPr lang="zh-CN" altLang="en-US"/>
+              <a:t>盒查表的</a:t>
+            </a:r>
+            <a:r>
+              <a:rPr lang="zh-CN" altLang="en-US" dirty="0"/>
+              <a:t>操作，但针对状态矩阵中同一列</a:t>
             </a:r>
             <a:r>
               <a:rPr lang="en-US" altLang="zh-CN" dirty="0"/>
@@ -3777,7 +3825,7 @@
         <p:spPr>
           <a:xfrm>
             <a:off x="566928" y="3087724"/>
-            <a:ext cx="10515600" cy="780083"/>
+            <a:ext cx="10515600" cy="868430"/>
           </a:xfrm>
           <a:prstGeom prst="rect">
             <a:avLst/>

--- a/TANGRAM/TAMGRAM.pptx
+++ b/TANGRAM/TAMGRAM.pptx
@@ -5,10 +5,10 @@
     <p:sldMasterId id="2147483901" r:id="rId1"/>
   </p:sldMasterIdLst>
   <p:notesMasterIdLst>
-    <p:notesMasterId r:id="rId13"/>
+    <p:notesMasterId r:id="rId15"/>
   </p:notesMasterIdLst>
   <p:handoutMasterIdLst>
-    <p:handoutMasterId r:id="rId14"/>
+    <p:handoutMasterId r:id="rId16"/>
   </p:handoutMasterIdLst>
   <p:sldIdLst>
     <p:sldId id="256" r:id="rId2"/>
@@ -16,12 +16,14 @@
     <p:sldId id="259" r:id="rId4"/>
     <p:sldId id="261" r:id="rId5"/>
     <p:sldId id="262" r:id="rId6"/>
-    <p:sldId id="263" r:id="rId7"/>
-    <p:sldId id="266" r:id="rId8"/>
-    <p:sldId id="264" r:id="rId9"/>
-    <p:sldId id="265" r:id="rId10"/>
-    <p:sldId id="267" r:id="rId11"/>
-    <p:sldId id="268" r:id="rId12"/>
+    <p:sldId id="269" r:id="rId7"/>
+    <p:sldId id="270" r:id="rId8"/>
+    <p:sldId id="263" r:id="rId9"/>
+    <p:sldId id="266" r:id="rId10"/>
+    <p:sldId id="264" r:id="rId11"/>
+    <p:sldId id="265" r:id="rId12"/>
+    <p:sldId id="267" r:id="rId13"/>
+    <p:sldId id="268" r:id="rId14"/>
   </p:sldIdLst>
   <p:sldSz cx="12192000" cy="6858000"/>
   <p:notesSz cx="6858000" cy="9144000"/>
@@ -797,7 +799,7 @@
             <a:fld id="{02322656-8894-1544-92AA-01B3CF5E6182}" type="slidenum">
               <a:rPr lang="en-US" smtClean="0"/>
               <a:pPr/>
-              <a:t>8</a:t>
+              <a:t>10</a:t>
             </a:fld>
             <a:endParaRPr lang="en-US" dirty="0"/>
           </a:p>
@@ -2482,6 +2484,453 @@
           <p:cNvPr id="2" name="内容占位符 1">
             <a:extLst>
               <a:ext uri="{FF2B5EF4-FFF2-40B4-BE49-F238E27FC236}">
+                <a16:creationId xmlns:a16="http://schemas.microsoft.com/office/drawing/2014/main" id="{583B3B95-8443-4EC2-9F13-E699E15BB421}"/>
+              </a:ext>
+            </a:extLst>
+          </p:cNvPr>
+          <p:cNvSpPr>
+            <a:spLocks noGrp="1"/>
+          </p:cNvSpPr>
+          <p:nvPr>
+            <p:ph sz="quarter" idx="10"/>
+          </p:nvPr>
+        </p:nvSpPr>
+        <p:spPr>
+          <a:xfrm>
+            <a:off x="566928" y="1838575"/>
+            <a:ext cx="10515600" cy="3848100"/>
+          </a:xfrm>
+        </p:spPr>
+        <p:txBody>
+          <a:bodyPr/>
+          <a:lstStyle/>
+          <a:p>
+            <a:r>
+              <a:rPr lang="zh-CN" altLang="en-US" dirty="0"/>
+              <a:t>实现第一个版本</a:t>
+            </a:r>
+            <a:r>
+              <a:rPr lang="en-US" altLang="zh-CN" dirty="0"/>
+              <a:t>128-128</a:t>
+            </a:r>
+            <a:r>
+              <a:rPr lang="zh-CN" altLang="en-US" dirty="0"/>
+              <a:t>时，没有出现太多问题，调试过程中输出不对的情况通过利用源码将中间变量打印出来对照排除了错误。</a:t>
+            </a:r>
+            <a:endParaRPr lang="en-US" altLang="zh-CN" dirty="0"/>
+          </a:p>
+          <a:p>
+            <a:r>
+              <a:rPr lang="zh-CN" altLang="en-US" dirty="0"/>
+              <a:t>在实现</a:t>
+            </a:r>
+            <a:r>
+              <a:rPr lang="en-US" altLang="zh-CN" dirty="0"/>
+              <a:t>128-256</a:t>
+            </a:r>
+            <a:r>
+              <a:rPr lang="zh-CN" altLang="en-US" dirty="0"/>
+              <a:t>时，由于没有注意文档描述的原因出现一些问题。</a:t>
+            </a:r>
+            <a:endParaRPr lang="en-US" altLang="zh-CN" dirty="0"/>
+          </a:p>
+          <a:p>
+            <a:endParaRPr lang="en-US" altLang="zh-CN" dirty="0"/>
+          </a:p>
+          <a:p>
+            <a:pPr marL="0" indent="0">
+              <a:buNone/>
+            </a:pPr>
+            <a:endParaRPr lang="en-US" altLang="zh-CN" dirty="0"/>
+          </a:p>
+          <a:p>
+            <a:r>
+              <a:rPr lang="zh-CN" altLang="en-US" dirty="0"/>
+              <a:t>在</a:t>
+            </a:r>
+            <a:r>
+              <a:rPr lang="en-US" altLang="zh-CN" dirty="0"/>
+              <a:t>128-128</a:t>
+            </a:r>
+            <a:r>
+              <a:rPr lang="zh-CN" altLang="en-US" dirty="0"/>
+              <a:t>中有上述描述，类似小端模式。在</a:t>
+            </a:r>
+            <a:r>
+              <a:rPr lang="en-US" altLang="zh-CN" dirty="0"/>
+              <a:t>128-256</a:t>
+            </a:r>
+            <a:r>
+              <a:rPr lang="zh-CN" altLang="en-US" dirty="0"/>
+              <a:t>的密钥扩展函数中</a:t>
+            </a:r>
+          </a:p>
+        </p:txBody>
+      </p:sp>
+      <p:sp>
+        <p:nvSpPr>
+          <p:cNvPr id="3" name="标题 2">
+            <a:extLst>
+              <a:ext uri="{FF2B5EF4-FFF2-40B4-BE49-F238E27FC236}">
+                <a16:creationId xmlns:a16="http://schemas.microsoft.com/office/drawing/2014/main" id="{27D80640-AD0F-40CC-A8F9-46AC05E4DDE4}"/>
+              </a:ext>
+            </a:extLst>
+          </p:cNvPr>
+          <p:cNvSpPr>
+            <a:spLocks noGrp="1"/>
+          </p:cNvSpPr>
+          <p:nvPr>
+            <p:ph type="title"/>
+          </p:nvPr>
+        </p:nvSpPr>
+        <p:spPr/>
+        <p:txBody>
+          <a:bodyPr/>
+          <a:lstStyle/>
+          <a:p>
+            <a:r>
+              <a:rPr lang="zh-CN" altLang="en-US" dirty="0"/>
+              <a:t>实现过程中的问题</a:t>
+            </a:r>
+          </a:p>
+        </p:txBody>
+      </p:sp>
+      <p:pic>
+        <p:nvPicPr>
+          <p:cNvPr id="4" name="图片 3">
+            <a:extLst>
+              <a:ext uri="{FF2B5EF4-FFF2-40B4-BE49-F238E27FC236}">
+                <a16:creationId xmlns:a16="http://schemas.microsoft.com/office/drawing/2014/main" id="{F298BB14-7E34-4007-A0A8-61606C5E9996}"/>
+              </a:ext>
+            </a:extLst>
+          </p:cNvPr>
+          <p:cNvPicPr>
+            <a:picLocks noChangeAspect="1"/>
+          </p:cNvPicPr>
+          <p:nvPr/>
+        </p:nvPicPr>
+        <p:blipFill rotWithShape="1">
+          <a:blip r:embed="rId3"/>
+          <a:srcRect b="29462"/>
+          <a:stretch/>
+        </p:blipFill>
+        <p:spPr>
+          <a:xfrm>
+            <a:off x="566928" y="3087724"/>
+            <a:ext cx="10515600" cy="868430"/>
+          </a:xfrm>
+          <a:prstGeom prst="rect">
+            <a:avLst/>
+          </a:prstGeom>
+        </p:spPr>
+      </p:pic>
+      <p:pic>
+        <p:nvPicPr>
+          <p:cNvPr id="7" name="图片 6">
+            <a:extLst>
+              <a:ext uri="{FF2B5EF4-FFF2-40B4-BE49-F238E27FC236}">
+                <a16:creationId xmlns:a16="http://schemas.microsoft.com/office/drawing/2014/main" id="{DACD17EC-5DB4-4152-BECB-86FB37BAF9E4}"/>
+              </a:ext>
+            </a:extLst>
+          </p:cNvPr>
+          <p:cNvPicPr>
+            <a:picLocks noChangeAspect="1"/>
+          </p:cNvPicPr>
+          <p:nvPr/>
+        </p:nvPicPr>
+        <p:blipFill>
+          <a:blip r:embed="rId4"/>
+          <a:stretch>
+            <a:fillRect/>
+          </a:stretch>
+        </p:blipFill>
+        <p:spPr>
+          <a:xfrm>
+            <a:off x="566928" y="4770365"/>
+            <a:ext cx="7451834" cy="1763721"/>
+          </a:xfrm>
+          <a:prstGeom prst="rect">
+            <a:avLst/>
+          </a:prstGeom>
+        </p:spPr>
+      </p:pic>
+    </p:spTree>
+    <p:extLst>
+      <p:ext uri="{BB962C8B-B14F-4D97-AF65-F5344CB8AC3E}">
+        <p14:creationId xmlns:p14="http://schemas.microsoft.com/office/powerpoint/2010/main" val="414358130"/>
+      </p:ext>
+    </p:extLst>
+  </p:cSld>
+  <p:clrMapOvr>
+    <a:masterClrMapping/>
+  </p:clrMapOvr>
+</p:sld>
+</file>
+
+<file path=ppt/slides/slide11.xml><?xml version="1.0" encoding="utf-8"?>
+<p:sld xmlns:a="http://schemas.openxmlformats.org/drawingml/2006/main" xmlns:r="http://schemas.openxmlformats.org/officeDocument/2006/relationships" xmlns:p="http://schemas.openxmlformats.org/presentationml/2006/main">
+  <p:cSld>
+    <p:spTree>
+      <p:nvGrpSpPr>
+        <p:cNvPr id="1" name=""/>
+        <p:cNvGrpSpPr/>
+        <p:nvPr/>
+      </p:nvGrpSpPr>
+      <p:grpSpPr>
+        <a:xfrm>
+          <a:off x="0" y="0"/>
+          <a:ext cx="0" cy="0"/>
+          <a:chOff x="0" y="0"/>
+          <a:chExt cx="0" cy="0"/>
+        </a:xfrm>
+      </p:grpSpPr>
+      <p:sp>
+        <p:nvSpPr>
+          <p:cNvPr id="2" name="内容占位符 1">
+            <a:extLst>
+              <a:ext uri="{FF2B5EF4-FFF2-40B4-BE49-F238E27FC236}">
+                <a16:creationId xmlns:a16="http://schemas.microsoft.com/office/drawing/2014/main" id="{29E7EB45-1F76-4CA2-B0A6-D9CDC3DBA856}"/>
+              </a:ext>
+            </a:extLst>
+          </p:cNvPr>
+          <p:cNvSpPr>
+            <a:spLocks noGrp="1"/>
+          </p:cNvSpPr>
+          <p:nvPr>
+            <p:ph sz="quarter" idx="10"/>
+          </p:nvPr>
+        </p:nvSpPr>
+        <p:spPr/>
+        <p:txBody>
+          <a:bodyPr/>
+          <a:lstStyle/>
+          <a:p>
+            <a:r>
+              <a:rPr lang="zh-CN" altLang="en-US" dirty="0"/>
+              <a:t>故在</a:t>
+            </a:r>
+            <a:r>
+              <a:rPr lang="en-US" altLang="zh-CN" dirty="0"/>
+              <a:t>128-256</a:t>
+            </a:r>
+            <a:r>
+              <a:rPr lang="zh-CN" altLang="en-US" dirty="0"/>
+              <a:t>实现中，其实是用输入密钥的后半部分作为初始密钥。</a:t>
+            </a:r>
+            <a:endParaRPr lang="en-US" altLang="zh-CN" dirty="0"/>
+          </a:p>
+          <a:p>
+            <a:r>
+              <a:rPr lang="zh-CN" altLang="en-US" dirty="0"/>
+              <a:t>主要遇到的问题在实现</a:t>
+            </a:r>
+            <a:r>
+              <a:rPr lang="en-US" altLang="zh-CN" dirty="0"/>
+              <a:t>256-256</a:t>
+            </a:r>
+            <a:r>
+              <a:rPr lang="zh-CN" altLang="en-US" dirty="0"/>
+              <a:t>过程中</a:t>
+            </a:r>
+            <a:endParaRPr lang="en-US" altLang="zh-CN" dirty="0"/>
+          </a:p>
+          <a:p>
+            <a:r>
+              <a:rPr lang="zh-CN" altLang="en-US" dirty="0"/>
+              <a:t>由于</a:t>
+            </a:r>
+            <a:r>
+              <a:rPr lang="en-US" altLang="zh-CN" dirty="0"/>
+              <a:t>TANGRAM</a:t>
+            </a:r>
+            <a:r>
+              <a:rPr lang="zh-CN" altLang="en-US" dirty="0"/>
+              <a:t>实现主要针对</a:t>
+            </a:r>
+            <a:r>
+              <a:rPr lang="en-US" altLang="zh-CN" dirty="0"/>
+              <a:t>32/64</a:t>
+            </a:r>
+            <a:r>
+              <a:rPr lang="zh-CN" altLang="en-US" dirty="0"/>
+              <a:t>比特数。</a:t>
+            </a:r>
+            <a:br>
+              <a:rPr lang="en-US" altLang="zh-CN" dirty="0"/>
+            </a:br>
+            <a:r>
+              <a:rPr lang="zh-CN" altLang="en-US" dirty="0"/>
+              <a:t>在</a:t>
+            </a:r>
+            <a:r>
+              <a:rPr lang="en-US" altLang="zh-CN" dirty="0"/>
+              <a:t>TANGRAM-128</a:t>
+            </a:r>
+            <a:r>
+              <a:rPr lang="zh-CN" altLang="en-US" dirty="0"/>
+              <a:t>中，采用将输入的</a:t>
+            </a:r>
+            <a:r>
+              <a:rPr lang="en-US" altLang="zh-CN" dirty="0"/>
+              <a:t>unsigned char </a:t>
+            </a:r>
+            <a:r>
+              <a:rPr lang="zh-CN" altLang="en-US" dirty="0"/>
+              <a:t>数据移位异或得到</a:t>
+            </a:r>
+            <a:r>
+              <a:rPr lang="en-US" altLang="zh-CN" dirty="0"/>
+              <a:t>32</a:t>
+            </a:r>
+            <a:r>
+              <a:rPr lang="zh-CN" altLang="en-US" dirty="0"/>
+              <a:t>比特数。（此处可待优化）</a:t>
+            </a:r>
+            <a:endParaRPr lang="en-US" altLang="zh-CN" dirty="0"/>
+          </a:p>
+          <a:p>
+            <a:endParaRPr lang="en-US" altLang="zh-CN" dirty="0"/>
+          </a:p>
+          <a:p>
+            <a:r>
+              <a:rPr lang="zh-CN" altLang="en-US" dirty="0"/>
+              <a:t>然而在</a:t>
+            </a:r>
+            <a:r>
+              <a:rPr lang="en-US" altLang="zh-CN" dirty="0"/>
+              <a:t>TANGRAM-256</a:t>
+            </a:r>
+            <a:r>
+              <a:rPr lang="zh-CN" altLang="en-US" dirty="0"/>
+              <a:t>中，同样的拼接会产生错误输出。经查找可能是由于“</a:t>
+            </a:r>
+            <a:r>
+              <a:rPr lang="en-US" altLang="zh-CN" dirty="0"/>
+              <a:t>&lt;&lt;</a:t>
+            </a:r>
+            <a:r>
+              <a:rPr lang="zh-CN" altLang="en-US" dirty="0"/>
+              <a:t>”移位符对</a:t>
+            </a:r>
+            <a:r>
+              <a:rPr lang="en-US" altLang="zh-CN" dirty="0"/>
+              <a:t>32</a:t>
+            </a:r>
+            <a:r>
+              <a:rPr lang="zh-CN" altLang="en-US" dirty="0"/>
+              <a:t>位以上的数据移位的时候会有不确定的结果产生。</a:t>
+            </a:r>
+            <a:endParaRPr lang="en-US" altLang="zh-CN" dirty="0"/>
+          </a:p>
+          <a:p>
+            <a:r>
+              <a:rPr lang="en-US" altLang="zh-CN" dirty="0" err="1"/>
+              <a:t>Shiftrow</a:t>
+            </a:r>
+            <a:r>
+              <a:rPr lang="en-US" altLang="zh-CN" dirty="0"/>
+              <a:t> </a:t>
+            </a:r>
+            <a:r>
+              <a:rPr lang="zh-CN" altLang="en-US" dirty="0"/>
+              <a:t>操作中同样会遇到这个问题</a:t>
+            </a:r>
+          </a:p>
+        </p:txBody>
+      </p:sp>
+      <p:sp>
+        <p:nvSpPr>
+          <p:cNvPr id="3" name="标题 2">
+            <a:extLst>
+              <a:ext uri="{FF2B5EF4-FFF2-40B4-BE49-F238E27FC236}">
+                <a16:creationId xmlns:a16="http://schemas.microsoft.com/office/drawing/2014/main" id="{B5D6DEB0-EAED-4CF0-B94B-EA83344FEA5F}"/>
+              </a:ext>
+            </a:extLst>
+          </p:cNvPr>
+          <p:cNvSpPr>
+            <a:spLocks noGrp="1"/>
+          </p:cNvSpPr>
+          <p:nvPr>
+            <p:ph type="title"/>
+          </p:nvPr>
+        </p:nvSpPr>
+        <p:spPr/>
+        <p:txBody>
+          <a:bodyPr/>
+          <a:lstStyle/>
+          <a:p>
+            <a:r>
+              <a:rPr lang="zh-CN" altLang="en-US" dirty="0"/>
+              <a:t>实现过程中的问题</a:t>
+            </a:r>
+          </a:p>
+        </p:txBody>
+      </p:sp>
+      <p:pic>
+        <p:nvPicPr>
+          <p:cNvPr id="4" name="图片 3">
+            <a:extLst>
+              <a:ext uri="{FF2B5EF4-FFF2-40B4-BE49-F238E27FC236}">
+                <a16:creationId xmlns:a16="http://schemas.microsoft.com/office/drawing/2014/main" id="{01E87A9D-CA95-4DBA-9650-FAB57C172837}"/>
+              </a:ext>
+            </a:extLst>
+          </p:cNvPr>
+          <p:cNvPicPr>
+            <a:picLocks noChangeAspect="1"/>
+          </p:cNvPicPr>
+          <p:nvPr/>
+        </p:nvPicPr>
+        <p:blipFill>
+          <a:blip r:embed="rId2"/>
+          <a:stretch>
+            <a:fillRect/>
+          </a:stretch>
+        </p:blipFill>
+        <p:spPr>
+          <a:xfrm>
+            <a:off x="224403" y="4488046"/>
+            <a:ext cx="11743194" cy="319000"/>
+          </a:xfrm>
+          <a:prstGeom prst="rect">
+            <a:avLst/>
+          </a:prstGeom>
+        </p:spPr>
+      </p:pic>
+    </p:spTree>
+    <p:extLst>
+      <p:ext uri="{BB962C8B-B14F-4D97-AF65-F5344CB8AC3E}">
+        <p14:creationId xmlns:p14="http://schemas.microsoft.com/office/powerpoint/2010/main" val="218119388"/>
+      </p:ext>
+    </p:extLst>
+  </p:cSld>
+  <p:clrMapOvr>
+    <a:masterClrMapping/>
+  </p:clrMapOvr>
+</p:sld>
+</file>
+
+<file path=ppt/slides/slide12.xml><?xml version="1.0" encoding="utf-8"?>
+<p:sld xmlns:a="http://schemas.openxmlformats.org/drawingml/2006/main" xmlns:r="http://schemas.openxmlformats.org/officeDocument/2006/relationships" xmlns:p="http://schemas.openxmlformats.org/presentationml/2006/main">
+  <p:cSld>
+    <p:spTree>
+      <p:nvGrpSpPr>
+        <p:cNvPr id="1" name=""/>
+        <p:cNvGrpSpPr/>
+        <p:nvPr/>
+      </p:nvGrpSpPr>
+      <p:grpSpPr>
+        <a:xfrm>
+          <a:off x="0" y="0"/>
+          <a:ext cx="0" cy="0"/>
+          <a:chOff x="0" y="0"/>
+          <a:chExt cx="0" cy="0"/>
+        </a:xfrm>
+      </p:grpSpPr>
+      <p:sp>
+        <p:nvSpPr>
+          <p:cNvPr id="2" name="内容占位符 1">
+            <a:extLst>
+              <a:ext uri="{FF2B5EF4-FFF2-40B4-BE49-F238E27FC236}">
                 <a16:creationId xmlns:a16="http://schemas.microsoft.com/office/drawing/2014/main" id="{546544D2-C6DF-42E7-9472-0393C6BD6FCC}"/>
               </a:ext>
             </a:extLst>
@@ -2588,7 +3037,7 @@
 </p:sld>
 </file>
 
-<file path=ppt/slides/slide11.xml><?xml version="1.0" encoding="utf-8"?>
+<file path=ppt/slides/slide13.xml><?xml version="1.0" encoding="utf-8"?>
 <p:sld xmlns:a="http://schemas.openxmlformats.org/drawingml/2006/main" xmlns:r="http://schemas.openxmlformats.org/officeDocument/2006/relationships" xmlns:p="http://schemas.openxmlformats.org/presentationml/2006/main">
   <p:cSld>
     <p:spTree>
@@ -2625,6 +3074,13 @@
         <p:txBody>
           <a:bodyPr/>
           <a:lstStyle/>
+          <a:p>
+            <a:r>
+              <a:rPr lang="zh-CN" altLang="en-US" dirty="0"/>
+              <a:t>算法本身将查表操作优化为逻辑运算操作</a:t>
+            </a:r>
+            <a:endParaRPr lang="en-US" altLang="zh-CN" dirty="0"/>
+          </a:p>
           <a:p>
             <a:r>
               <a:rPr lang="zh-CN" altLang="en-US" dirty="0"/>
@@ -3309,6 +3765,310 @@
 </file>
 
 <file path=ppt/slides/slide6.xml><?xml version="1.0" encoding="utf-8"?>
+<p:sld xmlns:a="http://schemas.openxmlformats.org/drawingml/2006/main" xmlns:r="http://schemas.openxmlformats.org/officeDocument/2006/relationships" xmlns:p="http://schemas.openxmlformats.org/presentationml/2006/main">
+  <p:cSld>
+    <p:spTree>
+      <p:nvGrpSpPr>
+        <p:cNvPr id="1" name=""/>
+        <p:cNvGrpSpPr/>
+        <p:nvPr/>
+      </p:nvGrpSpPr>
+      <p:grpSpPr>
+        <a:xfrm>
+          <a:off x="0" y="0"/>
+          <a:ext cx="0" cy="0"/>
+          <a:chOff x="0" y="0"/>
+          <a:chExt cx="0" cy="0"/>
+        </a:xfrm>
+      </p:grpSpPr>
+      <p:sp>
+        <p:nvSpPr>
+          <p:cNvPr id="2" name="内容占位符 1">
+            <a:extLst>
+              <a:ext uri="{FF2B5EF4-FFF2-40B4-BE49-F238E27FC236}">
+                <a16:creationId xmlns:a16="http://schemas.microsoft.com/office/drawing/2014/main" id="{F94922F3-66F5-41C0-93B0-0273BF7235A0}"/>
+              </a:ext>
+            </a:extLst>
+          </p:cNvPr>
+          <p:cNvSpPr>
+            <a:spLocks noGrp="1"/>
+          </p:cNvSpPr>
+          <p:nvPr>
+            <p:ph sz="quarter" idx="10"/>
+          </p:nvPr>
+        </p:nvSpPr>
+        <p:spPr/>
+        <p:txBody>
+          <a:bodyPr/>
+          <a:lstStyle/>
+          <a:p>
+            <a:r>
+              <a:rPr lang="en-US" altLang="zh-CN" dirty="0"/>
+              <a:t>1. </a:t>
+            </a:r>
+            <a:r>
+              <a:rPr lang="zh-CN" altLang="en-US" dirty="0"/>
+              <a:t>对密钥状态矩阵采用相同的</a:t>
+            </a:r>
+            <a:r>
+              <a:rPr lang="en-US" altLang="zh-CN" dirty="0"/>
+              <a:t>S</a:t>
+            </a:r>
+            <a:r>
+              <a:rPr lang="zh-CN" altLang="en-US" dirty="0"/>
+              <a:t>盒操作；</a:t>
+            </a:r>
+            <a:endParaRPr lang="en-US" altLang="zh-CN" dirty="0"/>
+          </a:p>
+          <a:p>
+            <a:r>
+              <a:rPr lang="en-US" altLang="zh-CN" dirty="0"/>
+              <a:t>2. </a:t>
+            </a:r>
+            <a:r>
+              <a:rPr lang="zh-CN" altLang="en-US" dirty="0"/>
+              <a:t>进行一轮</a:t>
+            </a:r>
+            <a:r>
+              <a:rPr lang="en-US" altLang="zh-CN" dirty="0"/>
+              <a:t>Feistel</a:t>
+            </a:r>
+            <a:r>
+              <a:rPr lang="zh-CN" altLang="en-US" dirty="0"/>
+              <a:t>变换：</a:t>
+            </a:r>
+            <a:endParaRPr lang="en-US" altLang="zh-CN" dirty="0"/>
+          </a:p>
+          <a:p>
+            <a:endParaRPr lang="en-US" altLang="zh-CN" dirty="0"/>
+          </a:p>
+          <a:p>
+            <a:endParaRPr lang="en-US" altLang="zh-CN" dirty="0"/>
+          </a:p>
+          <a:p>
+            <a:endParaRPr lang="en-US" altLang="zh-CN" dirty="0"/>
+          </a:p>
+          <a:p>
+            <a:r>
+              <a:rPr lang="zh-CN" altLang="en-US" dirty="0"/>
+              <a:t>对密钥状态的第一行的 </a:t>
+            </a:r>
+            <a:r>
+              <a:rPr lang="en-US" altLang="zh-CN" dirty="0"/>
+              <a:t>6/7 </a:t>
+            </a:r>
+            <a:r>
+              <a:rPr lang="zh-CN" altLang="en-US" dirty="0"/>
+              <a:t>个比特异或</a:t>
+            </a:r>
+            <a:r>
+              <a:rPr lang="en-US" altLang="zh-CN" dirty="0"/>
+              <a:t>6/7</a:t>
+            </a:r>
+            <a:r>
+              <a:rPr lang="zh-CN" altLang="en-US" dirty="0"/>
+              <a:t>比特的轮常数。轮常数由一个 </a:t>
+            </a:r>
+            <a:r>
+              <a:rPr lang="en-US" altLang="zh-CN" dirty="0"/>
+              <a:t>6/7 </a:t>
+            </a:r>
+            <a:r>
+              <a:rPr lang="zh-CN" altLang="en-US" dirty="0"/>
+              <a:t>比特的线性反馈移位寄存器生成。</a:t>
+            </a:r>
+            <a:br>
+              <a:rPr lang="en-US" altLang="zh-CN" dirty="0"/>
+            </a:br>
+            <a:endParaRPr lang="zh-CN" altLang="en-US" dirty="0"/>
+          </a:p>
+        </p:txBody>
+      </p:sp>
+      <p:sp>
+        <p:nvSpPr>
+          <p:cNvPr id="3" name="标题 2">
+            <a:extLst>
+              <a:ext uri="{FF2B5EF4-FFF2-40B4-BE49-F238E27FC236}">
+                <a16:creationId xmlns:a16="http://schemas.microsoft.com/office/drawing/2014/main" id="{57B0AF91-AAF6-4A2B-977C-CF220C7F05B9}"/>
+              </a:ext>
+            </a:extLst>
+          </p:cNvPr>
+          <p:cNvSpPr>
+            <a:spLocks noGrp="1"/>
+          </p:cNvSpPr>
+          <p:nvPr>
+            <p:ph type="title"/>
+          </p:nvPr>
+        </p:nvSpPr>
+        <p:spPr/>
+        <p:txBody>
+          <a:bodyPr/>
+          <a:lstStyle/>
+          <a:p>
+            <a:r>
+              <a:rPr lang="zh-CN" altLang="en-US" dirty="0"/>
+              <a:t>算法简介（密钥生成）</a:t>
+            </a:r>
+          </a:p>
+        </p:txBody>
+      </p:sp>
+      <p:pic>
+        <p:nvPicPr>
+          <p:cNvPr id="4" name="图片 3">
+            <a:extLst>
+              <a:ext uri="{FF2B5EF4-FFF2-40B4-BE49-F238E27FC236}">
+                <a16:creationId xmlns:a16="http://schemas.microsoft.com/office/drawing/2014/main" id="{23E2D25B-D46C-403C-9F9A-44E3B93F4EC0}"/>
+              </a:ext>
+            </a:extLst>
+          </p:cNvPr>
+          <p:cNvPicPr>
+            <a:picLocks noChangeAspect="1"/>
+          </p:cNvPicPr>
+          <p:nvPr/>
+        </p:nvPicPr>
+        <p:blipFill>
+          <a:blip r:embed="rId2"/>
+          <a:stretch>
+            <a:fillRect/>
+          </a:stretch>
+        </p:blipFill>
+        <p:spPr>
+          <a:xfrm>
+            <a:off x="4454462" y="2753471"/>
+            <a:ext cx="3575441" cy="1790442"/>
+          </a:xfrm>
+          <a:prstGeom prst="rect">
+            <a:avLst/>
+          </a:prstGeom>
+        </p:spPr>
+      </p:pic>
+    </p:spTree>
+    <p:extLst>
+      <p:ext uri="{BB962C8B-B14F-4D97-AF65-F5344CB8AC3E}">
+        <p14:creationId xmlns:p14="http://schemas.microsoft.com/office/powerpoint/2010/main" val="3419599588"/>
+      </p:ext>
+    </p:extLst>
+  </p:cSld>
+  <p:clrMapOvr>
+    <a:masterClrMapping/>
+  </p:clrMapOvr>
+</p:sld>
+</file>
+
+<file path=ppt/slides/slide7.xml><?xml version="1.0" encoding="utf-8"?>
+<p:sld xmlns:a="http://schemas.openxmlformats.org/drawingml/2006/main" xmlns:r="http://schemas.openxmlformats.org/officeDocument/2006/relationships" xmlns:p="http://schemas.openxmlformats.org/presentationml/2006/main">
+  <p:cSld>
+    <p:spTree>
+      <p:nvGrpSpPr>
+        <p:cNvPr id="1" name=""/>
+        <p:cNvGrpSpPr/>
+        <p:nvPr/>
+      </p:nvGrpSpPr>
+      <p:grpSpPr>
+        <a:xfrm>
+          <a:off x="0" y="0"/>
+          <a:ext cx="0" cy="0"/>
+          <a:chOff x="0" y="0"/>
+          <a:chExt cx="0" cy="0"/>
+        </a:xfrm>
+      </p:grpSpPr>
+      <p:sp>
+        <p:nvSpPr>
+          <p:cNvPr id="2" name="内容占位符 1">
+            <a:extLst>
+              <a:ext uri="{FF2B5EF4-FFF2-40B4-BE49-F238E27FC236}">
+                <a16:creationId xmlns:a16="http://schemas.microsoft.com/office/drawing/2014/main" id="{F6743B25-D02F-4512-A727-BCD6D4C27239}"/>
+              </a:ext>
+            </a:extLst>
+          </p:cNvPr>
+          <p:cNvSpPr>
+            <a:spLocks noGrp="1"/>
+          </p:cNvSpPr>
+          <p:nvPr>
+            <p:ph sz="quarter" idx="10"/>
+          </p:nvPr>
+        </p:nvSpPr>
+        <p:spPr/>
+        <p:txBody>
+          <a:bodyPr/>
+          <a:lstStyle/>
+          <a:p>
+            <a:endParaRPr lang="zh-CN" altLang="en-US"/>
+          </a:p>
+        </p:txBody>
+      </p:sp>
+      <p:sp>
+        <p:nvSpPr>
+          <p:cNvPr id="3" name="标题 2">
+            <a:extLst>
+              <a:ext uri="{FF2B5EF4-FFF2-40B4-BE49-F238E27FC236}">
+                <a16:creationId xmlns:a16="http://schemas.microsoft.com/office/drawing/2014/main" id="{3F8BEA63-0864-41F1-B9DA-ACE242FFD1A2}"/>
+              </a:ext>
+            </a:extLst>
+          </p:cNvPr>
+          <p:cNvSpPr>
+            <a:spLocks noGrp="1"/>
+          </p:cNvSpPr>
+          <p:nvPr>
+            <p:ph type="title"/>
+          </p:nvPr>
+        </p:nvSpPr>
+        <p:spPr/>
+        <p:txBody>
+          <a:bodyPr/>
+          <a:lstStyle/>
+          <a:p>
+            <a:r>
+              <a:rPr lang="zh-CN" altLang="en-US" dirty="0"/>
+              <a:t>算法简介（密钥生成）</a:t>
+            </a:r>
+          </a:p>
+        </p:txBody>
+      </p:sp>
+      <p:pic>
+        <p:nvPicPr>
+          <p:cNvPr id="4" name="图片 3">
+            <a:extLst>
+              <a:ext uri="{FF2B5EF4-FFF2-40B4-BE49-F238E27FC236}">
+                <a16:creationId xmlns:a16="http://schemas.microsoft.com/office/drawing/2014/main" id="{B9877085-B5FD-4AFF-A86F-E4FC8834F039}"/>
+              </a:ext>
+            </a:extLst>
+          </p:cNvPr>
+          <p:cNvPicPr>
+            <a:picLocks noChangeAspect="1"/>
+          </p:cNvPicPr>
+          <p:nvPr/>
+        </p:nvPicPr>
+        <p:blipFill>
+          <a:blip r:embed="rId2"/>
+          <a:stretch>
+            <a:fillRect/>
+          </a:stretch>
+        </p:blipFill>
+        <p:spPr>
+          <a:xfrm>
+            <a:off x="411705" y="2185416"/>
+            <a:ext cx="9960203" cy="4160881"/>
+          </a:xfrm>
+          <a:prstGeom prst="rect">
+            <a:avLst/>
+          </a:prstGeom>
+        </p:spPr>
+      </p:pic>
+    </p:spTree>
+    <p:extLst>
+      <p:ext uri="{BB962C8B-B14F-4D97-AF65-F5344CB8AC3E}">
+        <p14:creationId xmlns:p14="http://schemas.microsoft.com/office/powerpoint/2010/main" val="1349295334"/>
+      </p:ext>
+    </p:extLst>
+  </p:cSld>
+  <p:clrMapOvr>
+    <a:masterClrMapping/>
+  </p:clrMapOvr>
+</p:sld>
+</file>
+
+<file path=ppt/slides/slide8.xml><?xml version="1.0" encoding="utf-8"?>
 <p:sld xmlns:a="http://schemas.openxmlformats.org/drawingml/2006/main" xmlns:r="http://schemas.openxmlformats.org/officeDocument/2006/relationships" xmlns:p="http://schemas.openxmlformats.org/presentationml/2006/main">
   <p:cSld>
     <p:spTree>
@@ -3525,7 +4285,7 @@
 </p:sld>
 </file>
 
-<file path=ppt/slides/slide7.xml><?xml version="1.0" encoding="utf-8"?>
+<file path=ppt/slides/slide9.xml><?xml version="1.0" encoding="utf-8"?>
 <p:sld xmlns:a="http://schemas.openxmlformats.org/drawingml/2006/main" xmlns:r="http://schemas.openxmlformats.org/officeDocument/2006/relationships" xmlns:p="http://schemas.openxmlformats.org/presentationml/2006/main">
   <p:cSld>
     <p:spTree>
@@ -3661,453 +4421,6 @@
     <p:extLst>
       <p:ext uri="{BB962C8B-B14F-4D97-AF65-F5344CB8AC3E}">
         <p14:creationId xmlns:p14="http://schemas.microsoft.com/office/powerpoint/2010/main" val="4209204761"/>
-      </p:ext>
-    </p:extLst>
-  </p:cSld>
-  <p:clrMapOvr>
-    <a:masterClrMapping/>
-  </p:clrMapOvr>
-</p:sld>
-</file>
-
-<file path=ppt/slides/slide8.xml><?xml version="1.0" encoding="utf-8"?>
-<p:sld xmlns:a="http://schemas.openxmlformats.org/drawingml/2006/main" xmlns:r="http://schemas.openxmlformats.org/officeDocument/2006/relationships" xmlns:p="http://schemas.openxmlformats.org/presentationml/2006/main">
-  <p:cSld>
-    <p:spTree>
-      <p:nvGrpSpPr>
-        <p:cNvPr id="1" name=""/>
-        <p:cNvGrpSpPr/>
-        <p:nvPr/>
-      </p:nvGrpSpPr>
-      <p:grpSpPr>
-        <a:xfrm>
-          <a:off x="0" y="0"/>
-          <a:ext cx="0" cy="0"/>
-          <a:chOff x="0" y="0"/>
-          <a:chExt cx="0" cy="0"/>
-        </a:xfrm>
-      </p:grpSpPr>
-      <p:sp>
-        <p:nvSpPr>
-          <p:cNvPr id="2" name="内容占位符 1">
-            <a:extLst>
-              <a:ext uri="{FF2B5EF4-FFF2-40B4-BE49-F238E27FC236}">
-                <a16:creationId xmlns:a16="http://schemas.microsoft.com/office/drawing/2014/main" id="{583B3B95-8443-4EC2-9F13-E699E15BB421}"/>
-              </a:ext>
-            </a:extLst>
-          </p:cNvPr>
-          <p:cNvSpPr>
-            <a:spLocks noGrp="1"/>
-          </p:cNvSpPr>
-          <p:nvPr>
-            <p:ph sz="quarter" idx="10"/>
-          </p:nvPr>
-        </p:nvSpPr>
-        <p:spPr>
-          <a:xfrm>
-            <a:off x="566928" y="1838575"/>
-            <a:ext cx="10515600" cy="3848100"/>
-          </a:xfrm>
-        </p:spPr>
-        <p:txBody>
-          <a:bodyPr/>
-          <a:lstStyle/>
-          <a:p>
-            <a:r>
-              <a:rPr lang="zh-CN" altLang="en-US" dirty="0"/>
-              <a:t>实现第一个版本</a:t>
-            </a:r>
-            <a:r>
-              <a:rPr lang="en-US" altLang="zh-CN" dirty="0"/>
-              <a:t>128-128</a:t>
-            </a:r>
-            <a:r>
-              <a:rPr lang="zh-CN" altLang="en-US" dirty="0"/>
-              <a:t>时，没有出现太多问题，调试过程中输出不对的情况通过利用源码将中间变量打印出来对照排除了错误。</a:t>
-            </a:r>
-            <a:endParaRPr lang="en-US" altLang="zh-CN" dirty="0"/>
-          </a:p>
-          <a:p>
-            <a:r>
-              <a:rPr lang="zh-CN" altLang="en-US" dirty="0"/>
-              <a:t>在实现</a:t>
-            </a:r>
-            <a:r>
-              <a:rPr lang="en-US" altLang="zh-CN" dirty="0"/>
-              <a:t>128-256</a:t>
-            </a:r>
-            <a:r>
-              <a:rPr lang="zh-CN" altLang="en-US" dirty="0"/>
-              <a:t>时，由于没有注意文档描述的原因出现一些问题。</a:t>
-            </a:r>
-            <a:endParaRPr lang="en-US" altLang="zh-CN" dirty="0"/>
-          </a:p>
-          <a:p>
-            <a:endParaRPr lang="en-US" altLang="zh-CN" dirty="0"/>
-          </a:p>
-          <a:p>
-            <a:pPr marL="0" indent="0">
-              <a:buNone/>
-            </a:pPr>
-            <a:endParaRPr lang="en-US" altLang="zh-CN" dirty="0"/>
-          </a:p>
-          <a:p>
-            <a:r>
-              <a:rPr lang="zh-CN" altLang="en-US" dirty="0"/>
-              <a:t>在</a:t>
-            </a:r>
-            <a:r>
-              <a:rPr lang="en-US" altLang="zh-CN" dirty="0"/>
-              <a:t>128-128</a:t>
-            </a:r>
-            <a:r>
-              <a:rPr lang="zh-CN" altLang="en-US" dirty="0"/>
-              <a:t>中有上述描述，类似小端模式。在</a:t>
-            </a:r>
-            <a:r>
-              <a:rPr lang="en-US" altLang="zh-CN" dirty="0"/>
-              <a:t>128-256</a:t>
-            </a:r>
-            <a:r>
-              <a:rPr lang="zh-CN" altLang="en-US" dirty="0"/>
-              <a:t>的密钥扩展函数中</a:t>
-            </a:r>
-          </a:p>
-        </p:txBody>
-      </p:sp>
-      <p:sp>
-        <p:nvSpPr>
-          <p:cNvPr id="3" name="标题 2">
-            <a:extLst>
-              <a:ext uri="{FF2B5EF4-FFF2-40B4-BE49-F238E27FC236}">
-                <a16:creationId xmlns:a16="http://schemas.microsoft.com/office/drawing/2014/main" id="{27D80640-AD0F-40CC-A8F9-46AC05E4DDE4}"/>
-              </a:ext>
-            </a:extLst>
-          </p:cNvPr>
-          <p:cNvSpPr>
-            <a:spLocks noGrp="1"/>
-          </p:cNvSpPr>
-          <p:nvPr>
-            <p:ph type="title"/>
-          </p:nvPr>
-        </p:nvSpPr>
-        <p:spPr/>
-        <p:txBody>
-          <a:bodyPr/>
-          <a:lstStyle/>
-          <a:p>
-            <a:r>
-              <a:rPr lang="zh-CN" altLang="en-US" dirty="0"/>
-              <a:t>实现过程中的问题</a:t>
-            </a:r>
-          </a:p>
-        </p:txBody>
-      </p:sp>
-      <p:pic>
-        <p:nvPicPr>
-          <p:cNvPr id="4" name="图片 3">
-            <a:extLst>
-              <a:ext uri="{FF2B5EF4-FFF2-40B4-BE49-F238E27FC236}">
-                <a16:creationId xmlns:a16="http://schemas.microsoft.com/office/drawing/2014/main" id="{F298BB14-7E34-4007-A0A8-61606C5E9996}"/>
-              </a:ext>
-            </a:extLst>
-          </p:cNvPr>
-          <p:cNvPicPr>
-            <a:picLocks noChangeAspect="1"/>
-          </p:cNvPicPr>
-          <p:nvPr/>
-        </p:nvPicPr>
-        <p:blipFill rotWithShape="1">
-          <a:blip r:embed="rId3"/>
-          <a:srcRect b="29462"/>
-          <a:stretch/>
-        </p:blipFill>
-        <p:spPr>
-          <a:xfrm>
-            <a:off x="566928" y="3087724"/>
-            <a:ext cx="10515600" cy="868430"/>
-          </a:xfrm>
-          <a:prstGeom prst="rect">
-            <a:avLst/>
-          </a:prstGeom>
-        </p:spPr>
-      </p:pic>
-      <p:pic>
-        <p:nvPicPr>
-          <p:cNvPr id="7" name="图片 6">
-            <a:extLst>
-              <a:ext uri="{FF2B5EF4-FFF2-40B4-BE49-F238E27FC236}">
-                <a16:creationId xmlns:a16="http://schemas.microsoft.com/office/drawing/2014/main" id="{DACD17EC-5DB4-4152-BECB-86FB37BAF9E4}"/>
-              </a:ext>
-            </a:extLst>
-          </p:cNvPr>
-          <p:cNvPicPr>
-            <a:picLocks noChangeAspect="1"/>
-          </p:cNvPicPr>
-          <p:nvPr/>
-        </p:nvPicPr>
-        <p:blipFill>
-          <a:blip r:embed="rId4"/>
-          <a:stretch>
-            <a:fillRect/>
-          </a:stretch>
-        </p:blipFill>
-        <p:spPr>
-          <a:xfrm>
-            <a:off x="566928" y="4770365"/>
-            <a:ext cx="7451834" cy="1763721"/>
-          </a:xfrm>
-          <a:prstGeom prst="rect">
-            <a:avLst/>
-          </a:prstGeom>
-        </p:spPr>
-      </p:pic>
-    </p:spTree>
-    <p:extLst>
-      <p:ext uri="{BB962C8B-B14F-4D97-AF65-F5344CB8AC3E}">
-        <p14:creationId xmlns:p14="http://schemas.microsoft.com/office/powerpoint/2010/main" val="414358130"/>
-      </p:ext>
-    </p:extLst>
-  </p:cSld>
-  <p:clrMapOvr>
-    <a:masterClrMapping/>
-  </p:clrMapOvr>
-</p:sld>
-</file>
-
-<file path=ppt/slides/slide9.xml><?xml version="1.0" encoding="utf-8"?>
-<p:sld xmlns:a="http://schemas.openxmlformats.org/drawingml/2006/main" xmlns:r="http://schemas.openxmlformats.org/officeDocument/2006/relationships" xmlns:p="http://schemas.openxmlformats.org/presentationml/2006/main">
-  <p:cSld>
-    <p:spTree>
-      <p:nvGrpSpPr>
-        <p:cNvPr id="1" name=""/>
-        <p:cNvGrpSpPr/>
-        <p:nvPr/>
-      </p:nvGrpSpPr>
-      <p:grpSpPr>
-        <a:xfrm>
-          <a:off x="0" y="0"/>
-          <a:ext cx="0" cy="0"/>
-          <a:chOff x="0" y="0"/>
-          <a:chExt cx="0" cy="0"/>
-        </a:xfrm>
-      </p:grpSpPr>
-      <p:sp>
-        <p:nvSpPr>
-          <p:cNvPr id="2" name="内容占位符 1">
-            <a:extLst>
-              <a:ext uri="{FF2B5EF4-FFF2-40B4-BE49-F238E27FC236}">
-                <a16:creationId xmlns:a16="http://schemas.microsoft.com/office/drawing/2014/main" id="{29E7EB45-1F76-4CA2-B0A6-D9CDC3DBA856}"/>
-              </a:ext>
-            </a:extLst>
-          </p:cNvPr>
-          <p:cNvSpPr>
-            <a:spLocks noGrp="1"/>
-          </p:cNvSpPr>
-          <p:nvPr>
-            <p:ph sz="quarter" idx="10"/>
-          </p:nvPr>
-        </p:nvSpPr>
-        <p:spPr/>
-        <p:txBody>
-          <a:bodyPr/>
-          <a:lstStyle/>
-          <a:p>
-            <a:r>
-              <a:rPr lang="zh-CN" altLang="en-US" dirty="0"/>
-              <a:t>故在</a:t>
-            </a:r>
-            <a:r>
-              <a:rPr lang="en-US" altLang="zh-CN" dirty="0"/>
-              <a:t>128-256</a:t>
-            </a:r>
-            <a:r>
-              <a:rPr lang="zh-CN" altLang="en-US" dirty="0"/>
-              <a:t>实现中，其实是用输入密钥的后半部分作为初始密钥。</a:t>
-            </a:r>
-            <a:endParaRPr lang="en-US" altLang="zh-CN" dirty="0"/>
-          </a:p>
-          <a:p>
-            <a:r>
-              <a:rPr lang="zh-CN" altLang="en-US" dirty="0"/>
-              <a:t>主要遇到的问题在实现</a:t>
-            </a:r>
-            <a:r>
-              <a:rPr lang="en-US" altLang="zh-CN" dirty="0"/>
-              <a:t>256-256</a:t>
-            </a:r>
-            <a:r>
-              <a:rPr lang="zh-CN" altLang="en-US" dirty="0"/>
-              <a:t>过程中</a:t>
-            </a:r>
-            <a:endParaRPr lang="en-US" altLang="zh-CN" dirty="0"/>
-          </a:p>
-          <a:p>
-            <a:r>
-              <a:rPr lang="zh-CN" altLang="en-US" dirty="0"/>
-              <a:t>由于</a:t>
-            </a:r>
-            <a:r>
-              <a:rPr lang="en-US" altLang="zh-CN" dirty="0"/>
-              <a:t>TANGRAM</a:t>
-            </a:r>
-            <a:r>
-              <a:rPr lang="zh-CN" altLang="en-US" dirty="0"/>
-              <a:t>实现主要针对</a:t>
-            </a:r>
-            <a:r>
-              <a:rPr lang="en-US" altLang="zh-CN" dirty="0"/>
-              <a:t>32/64</a:t>
-            </a:r>
-            <a:r>
-              <a:rPr lang="zh-CN" altLang="en-US" dirty="0"/>
-              <a:t>比特数。</a:t>
-            </a:r>
-            <a:br>
-              <a:rPr lang="en-US" altLang="zh-CN" dirty="0"/>
-            </a:br>
-            <a:r>
-              <a:rPr lang="zh-CN" altLang="en-US" dirty="0"/>
-              <a:t>在</a:t>
-            </a:r>
-            <a:r>
-              <a:rPr lang="en-US" altLang="zh-CN" dirty="0"/>
-              <a:t>TANGRAM-128</a:t>
-            </a:r>
-            <a:r>
-              <a:rPr lang="zh-CN" altLang="en-US" dirty="0"/>
-              <a:t>中，采用将输入的</a:t>
-            </a:r>
-            <a:r>
-              <a:rPr lang="en-US" altLang="zh-CN" dirty="0"/>
-              <a:t>unsigned char </a:t>
-            </a:r>
-            <a:r>
-              <a:rPr lang="zh-CN" altLang="en-US" dirty="0"/>
-              <a:t>数据移位异或得到</a:t>
-            </a:r>
-            <a:r>
-              <a:rPr lang="en-US" altLang="zh-CN" dirty="0"/>
-              <a:t>32</a:t>
-            </a:r>
-            <a:r>
-              <a:rPr lang="zh-CN" altLang="en-US" dirty="0"/>
-              <a:t>比特数。（此处可待优化）</a:t>
-            </a:r>
-            <a:endParaRPr lang="en-US" altLang="zh-CN" dirty="0"/>
-          </a:p>
-          <a:p>
-            <a:endParaRPr lang="en-US" altLang="zh-CN" dirty="0"/>
-          </a:p>
-          <a:p>
-            <a:r>
-              <a:rPr lang="zh-CN" altLang="en-US" dirty="0"/>
-              <a:t>然而在</a:t>
-            </a:r>
-            <a:r>
-              <a:rPr lang="en-US" altLang="zh-CN" dirty="0"/>
-              <a:t>TANGRAM-256</a:t>
-            </a:r>
-            <a:r>
-              <a:rPr lang="zh-CN" altLang="en-US" dirty="0"/>
-              <a:t>中，同样的拼接会产生错误输出。经查找可能是由于“</a:t>
-            </a:r>
-            <a:r>
-              <a:rPr lang="en-US" altLang="zh-CN" dirty="0"/>
-              <a:t>&lt;&lt;</a:t>
-            </a:r>
-            <a:r>
-              <a:rPr lang="zh-CN" altLang="en-US" dirty="0"/>
-              <a:t>”移位符对</a:t>
-            </a:r>
-            <a:r>
-              <a:rPr lang="en-US" altLang="zh-CN" dirty="0"/>
-              <a:t>32</a:t>
-            </a:r>
-            <a:r>
-              <a:rPr lang="zh-CN" altLang="en-US" dirty="0"/>
-              <a:t>位以上的数据移位的时候会有不确定的结果产生。</a:t>
-            </a:r>
-            <a:endParaRPr lang="en-US" altLang="zh-CN" dirty="0"/>
-          </a:p>
-          <a:p>
-            <a:r>
-              <a:rPr lang="en-US" altLang="zh-CN" dirty="0" err="1"/>
-              <a:t>Shiftrow</a:t>
-            </a:r>
-            <a:r>
-              <a:rPr lang="en-US" altLang="zh-CN" dirty="0"/>
-              <a:t> </a:t>
-            </a:r>
-            <a:r>
-              <a:rPr lang="zh-CN" altLang="en-US" dirty="0"/>
-              <a:t>操作中同样会遇到这个问题</a:t>
-            </a:r>
-          </a:p>
-        </p:txBody>
-      </p:sp>
-      <p:sp>
-        <p:nvSpPr>
-          <p:cNvPr id="3" name="标题 2">
-            <a:extLst>
-              <a:ext uri="{FF2B5EF4-FFF2-40B4-BE49-F238E27FC236}">
-                <a16:creationId xmlns:a16="http://schemas.microsoft.com/office/drawing/2014/main" id="{B5D6DEB0-EAED-4CF0-B94B-EA83344FEA5F}"/>
-              </a:ext>
-            </a:extLst>
-          </p:cNvPr>
-          <p:cNvSpPr>
-            <a:spLocks noGrp="1"/>
-          </p:cNvSpPr>
-          <p:nvPr>
-            <p:ph type="title"/>
-          </p:nvPr>
-        </p:nvSpPr>
-        <p:spPr/>
-        <p:txBody>
-          <a:bodyPr/>
-          <a:lstStyle/>
-          <a:p>
-            <a:r>
-              <a:rPr lang="zh-CN" altLang="en-US" dirty="0"/>
-              <a:t>实现过程中的问题</a:t>
-            </a:r>
-          </a:p>
-        </p:txBody>
-      </p:sp>
-      <p:pic>
-        <p:nvPicPr>
-          <p:cNvPr id="4" name="图片 3">
-            <a:extLst>
-              <a:ext uri="{FF2B5EF4-FFF2-40B4-BE49-F238E27FC236}">
-                <a16:creationId xmlns:a16="http://schemas.microsoft.com/office/drawing/2014/main" id="{01E87A9D-CA95-4DBA-9650-FAB57C172837}"/>
-              </a:ext>
-            </a:extLst>
-          </p:cNvPr>
-          <p:cNvPicPr>
-            <a:picLocks noChangeAspect="1"/>
-          </p:cNvPicPr>
-          <p:nvPr/>
-        </p:nvPicPr>
-        <p:blipFill>
-          <a:blip r:embed="rId2"/>
-          <a:stretch>
-            <a:fillRect/>
-          </a:stretch>
-        </p:blipFill>
-        <p:spPr>
-          <a:xfrm>
-            <a:off x="224403" y="4488046"/>
-            <a:ext cx="11743194" cy="319000"/>
-          </a:xfrm>
-          <a:prstGeom prst="rect">
-            <a:avLst/>
-          </a:prstGeom>
-        </p:spPr>
-      </p:pic>
-    </p:spTree>
-    <p:extLst>
-      <p:ext uri="{BB962C8B-B14F-4D97-AF65-F5344CB8AC3E}">
-        <p14:creationId xmlns:p14="http://schemas.microsoft.com/office/powerpoint/2010/main" val="218119388"/>
       </p:ext>
     </p:extLst>
   </p:cSld>
